--- a/2.项目PPT/第十四周进度.pptx
+++ b/2.项目PPT/第十四周进度.pptx
@@ -114,7 +114,7 @@
   </p:defaultTextStyle>
   <p:extLst>
     <p:ext uri="{EFAFB233-063F-42B5-8137-9DF3F51BA10A}">
-      <p15:sldGuideLst xmlns:p15="http://schemas.microsoft.com/office/powerpoint/2012/main">
+      <p15:sldGuideLst xmlns:p15="http://schemas.microsoft.com/office/powerpoint/2012/main" xmlns="">
         <p15:guide id="1" orient="horz" pos="2160">
           <p15:clr>
             <a:srgbClr val="A4A3A4"/>
@@ -213,7 +213,7 @@
           <a:p>
             <a:fld id="{4C17CBC2-40E5-434D-858D-CE717F960CDA}" type="datetimeFigureOut">
               <a:rPr kumimoji="1" lang="zh-CN" altLang="en-US" smtClean="0"/>
-              <a:t>16/6/2</a:t>
+              <a:t>2016/6/3</a:t>
             </a:fld>
             <a:endParaRPr kumimoji="1" lang="zh-CN" altLang="en-US"/>
           </a:p>
@@ -696,7 +696,7 @@
           <a:p>
             <a:fld id="{28428746-E1BB-BE45-ABA8-858F6D9BFAFB}" type="datetimeFigureOut">
               <a:rPr kumimoji="1" lang="zh-CN" altLang="en-US" smtClean="0"/>
-              <a:t>16/6/2</a:t>
+              <a:t>2016/6/3</a:t>
             </a:fld>
             <a:endParaRPr kumimoji="1" lang="zh-CN" altLang="en-US"/>
           </a:p>
@@ -866,7 +866,7 @@
           <a:p>
             <a:fld id="{28428746-E1BB-BE45-ABA8-858F6D9BFAFB}" type="datetimeFigureOut">
               <a:rPr kumimoji="1" lang="zh-CN" altLang="en-US" smtClean="0"/>
-              <a:t>16/6/2</a:t>
+              <a:t>2016/6/3</a:t>
             </a:fld>
             <a:endParaRPr kumimoji="1" lang="zh-CN" altLang="en-US"/>
           </a:p>
@@ -1046,7 +1046,7 @@
           <a:p>
             <a:fld id="{28428746-E1BB-BE45-ABA8-858F6D9BFAFB}" type="datetimeFigureOut">
               <a:rPr kumimoji="1" lang="zh-CN" altLang="en-US" smtClean="0"/>
-              <a:t>16/6/2</a:t>
+              <a:t>2016/6/3</a:t>
             </a:fld>
             <a:endParaRPr kumimoji="1" lang="zh-CN" altLang="en-US"/>
           </a:p>
@@ -1295,7 +1295,7 @@
                 </a:solidFill>
               </a:rPr>
               <a:pPr/>
-              <a:t>16/6/2</a:t>
+              <a:t>2016/6/3</a:t>
             </a:fld>
             <a:endParaRPr lang="zh-CN" altLang="en-US">
               <a:solidFill>
@@ -1500,7 +1500,7 @@
                 </a:solidFill>
               </a:rPr>
               <a:pPr/>
-              <a:t>16/6/2</a:t>
+              <a:t>2016/6/3</a:t>
             </a:fld>
             <a:endParaRPr lang="zh-CN" altLang="en-US">
               <a:solidFill>
@@ -1781,7 +1781,7 @@
                 </a:solidFill>
               </a:rPr>
               <a:pPr/>
-              <a:t>16/6/2</a:t>
+              <a:t>2016/6/3</a:t>
             </a:fld>
             <a:endParaRPr lang="zh-CN" altLang="en-US">
               <a:solidFill>
@@ -2104,7 +2104,7 @@
                 </a:solidFill>
               </a:rPr>
               <a:pPr/>
-              <a:t>16/6/2</a:t>
+              <a:t>2016/6/3</a:t>
             </a:fld>
             <a:endParaRPr lang="zh-CN" altLang="en-US">
               <a:solidFill>
@@ -2561,7 +2561,7 @@
                 </a:solidFill>
               </a:rPr>
               <a:pPr/>
-              <a:t>16/6/2</a:t>
+              <a:t>2016/6/3</a:t>
             </a:fld>
             <a:endParaRPr lang="zh-CN" altLang="en-US">
               <a:solidFill>
@@ -2714,7 +2714,7 @@
                 </a:solidFill>
               </a:rPr>
               <a:pPr/>
-              <a:t>16/6/2</a:t>
+              <a:t>2016/6/3</a:t>
             </a:fld>
             <a:endParaRPr lang="zh-CN" altLang="en-US">
               <a:solidFill>
@@ -2844,7 +2844,7 @@
                 </a:solidFill>
               </a:rPr>
               <a:pPr/>
-              <a:t>16/6/2</a:t>
+              <a:t>2016/6/3</a:t>
             </a:fld>
             <a:endParaRPr lang="zh-CN" altLang="en-US">
               <a:solidFill>
@@ -3156,7 +3156,7 @@
                 </a:solidFill>
               </a:rPr>
               <a:pPr/>
-              <a:t>16/6/2</a:t>
+              <a:t>2016/6/3</a:t>
             </a:fld>
             <a:endParaRPr lang="zh-CN" altLang="en-US">
               <a:solidFill>
@@ -3354,7 +3354,7 @@
           <a:p>
             <a:fld id="{28428746-E1BB-BE45-ABA8-858F6D9BFAFB}" type="datetimeFigureOut">
               <a:rPr kumimoji="1" lang="zh-CN" altLang="en-US" smtClean="0"/>
-              <a:t>16/6/2</a:t>
+              <a:t>2016/6/3</a:t>
             </a:fld>
             <a:endParaRPr kumimoji="1" lang="zh-CN" altLang="en-US"/>
           </a:p>
@@ -3614,7 +3614,7 @@
                 </a:solidFill>
               </a:rPr>
               <a:pPr/>
-              <a:t>16/6/2</a:t>
+              <a:t>2016/6/3</a:t>
             </a:fld>
             <a:endParaRPr lang="zh-CN" altLang="en-US">
               <a:solidFill>
@@ -3819,7 +3819,7 @@
                 </a:solidFill>
               </a:rPr>
               <a:pPr/>
-              <a:t>16/6/2</a:t>
+              <a:t>2016/6/3</a:t>
             </a:fld>
             <a:endParaRPr lang="zh-CN" altLang="en-US">
               <a:solidFill>
@@ -4034,7 +4034,7 @@
                 </a:solidFill>
               </a:rPr>
               <a:pPr/>
-              <a:t>16/6/2</a:t>
+              <a:t>2016/6/3</a:t>
             </a:fld>
             <a:endParaRPr lang="zh-CN" altLang="en-US">
               <a:solidFill>
@@ -4306,7 +4306,7 @@
           <a:p>
             <a:fld id="{28428746-E1BB-BE45-ABA8-858F6D9BFAFB}" type="datetimeFigureOut">
               <a:rPr kumimoji="1" lang="zh-CN" altLang="en-US" smtClean="0"/>
-              <a:t>16/6/2</a:t>
+              <a:t>2016/6/3</a:t>
             </a:fld>
             <a:endParaRPr kumimoji="1" lang="zh-CN" altLang="en-US"/>
           </a:p>
@@ -4538,7 +4538,7 @@
           <a:p>
             <a:fld id="{28428746-E1BB-BE45-ABA8-858F6D9BFAFB}" type="datetimeFigureOut">
               <a:rPr kumimoji="1" lang="zh-CN" altLang="en-US" smtClean="0"/>
-              <a:t>16/6/2</a:t>
+              <a:t>2016/6/3</a:t>
             </a:fld>
             <a:endParaRPr kumimoji="1" lang="zh-CN" altLang="en-US"/>
           </a:p>
@@ -4905,7 +4905,7 @@
           <a:p>
             <a:fld id="{28428746-E1BB-BE45-ABA8-858F6D9BFAFB}" type="datetimeFigureOut">
               <a:rPr kumimoji="1" lang="zh-CN" altLang="en-US" smtClean="0"/>
-              <a:t>16/6/2</a:t>
+              <a:t>2016/6/3</a:t>
             </a:fld>
             <a:endParaRPr kumimoji="1" lang="zh-CN" altLang="en-US"/>
           </a:p>
@@ -5023,7 +5023,7 @@
           <a:p>
             <a:fld id="{28428746-E1BB-BE45-ABA8-858F6D9BFAFB}" type="datetimeFigureOut">
               <a:rPr kumimoji="1" lang="zh-CN" altLang="en-US" smtClean="0"/>
-              <a:t>16/6/2</a:t>
+              <a:t>2016/6/3</a:t>
             </a:fld>
             <a:endParaRPr kumimoji="1" lang="zh-CN" altLang="en-US"/>
           </a:p>
@@ -5118,7 +5118,7 @@
           <a:p>
             <a:fld id="{28428746-E1BB-BE45-ABA8-858F6D9BFAFB}" type="datetimeFigureOut">
               <a:rPr kumimoji="1" lang="zh-CN" altLang="en-US" smtClean="0"/>
-              <a:t>16/6/2</a:t>
+              <a:t>2016/6/3</a:t>
             </a:fld>
             <a:endParaRPr kumimoji="1" lang="zh-CN" altLang="en-US"/>
           </a:p>
@@ -5395,7 +5395,7 @@
           <a:p>
             <a:fld id="{28428746-E1BB-BE45-ABA8-858F6D9BFAFB}" type="datetimeFigureOut">
               <a:rPr kumimoji="1" lang="zh-CN" altLang="en-US" smtClean="0"/>
-              <a:t>16/6/2</a:t>
+              <a:t>2016/6/3</a:t>
             </a:fld>
             <a:endParaRPr kumimoji="1" lang="zh-CN" altLang="en-US"/>
           </a:p>
@@ -5652,7 +5652,7 @@
           <a:p>
             <a:fld id="{28428746-E1BB-BE45-ABA8-858F6D9BFAFB}" type="datetimeFigureOut">
               <a:rPr kumimoji="1" lang="zh-CN" altLang="en-US" smtClean="0"/>
-              <a:t>16/6/2</a:t>
+              <a:t>2016/6/3</a:t>
             </a:fld>
             <a:endParaRPr kumimoji="1" lang="zh-CN" altLang="en-US"/>
           </a:p>
@@ -5865,7 +5865,7 @@
           <a:p>
             <a:fld id="{28428746-E1BB-BE45-ABA8-858F6D9BFAFB}" type="datetimeFigureOut">
               <a:rPr kumimoji="1" lang="zh-CN" altLang="en-US" smtClean="0"/>
-              <a:t>16/6/2</a:t>
+              <a:t>2016/6/3</a:t>
             </a:fld>
             <a:endParaRPr kumimoji="1" lang="zh-CN" altLang="en-US"/>
           </a:p>
@@ -6412,7 +6412,7 @@
                 </a:solidFill>
               </a:rPr>
               <a:pPr/>
-              <a:t>16/6/2</a:t>
+              <a:t>2016/6/3</a:t>
             </a:fld>
             <a:endParaRPr lang="zh-CN" altLang="en-US">
               <a:solidFill>
@@ -7249,7 +7249,6 @@
               <a:rPr lang="zh-CN" altLang="en-US" dirty="0" smtClean="0"/>
               <a:t>总结任务完成情况，制定计划</a:t>
             </a:r>
-            <a:endParaRPr lang="zh-CN" altLang="en-US" dirty="0" smtClean="0"/>
           </a:p>
           <a:p>
             <a:pPr>
@@ -7259,11 +7258,7 @@
             </a:pPr>
             <a:r>
               <a:rPr lang="zh-CN" altLang="en-US" dirty="0" smtClean="0"/>
-              <a:t>添加统计</a:t>
-            </a:r>
-            <a:r>
-              <a:rPr lang="zh-CN" altLang="en-US" dirty="0" smtClean="0"/>
-              <a:t>数据</a:t>
+              <a:t>添加统计数据</a:t>
             </a:r>
           </a:p>
           <a:p>
@@ -7276,7 +7271,6 @@
               <a:rPr lang="zh-CN" altLang="en-US" dirty="0" smtClean="0"/>
               <a:t>更新数据分析</a:t>
             </a:r>
-            <a:endParaRPr lang="zh-CN" altLang="en-US" dirty="0" smtClean="0"/>
           </a:p>
           <a:p>
             <a:endParaRPr lang="en-US" altLang="zh-CN" dirty="0" smtClean="0"/>
@@ -7573,15 +7567,229 @@
             <p:ph idx="1"/>
           </p:nvPr>
         </p:nvSpPr>
-        <p:spPr/>
-        <p:txBody>
-          <a:bodyPr/>
-          <a:lstStyle/>
-          <a:p>
-            <a:endParaRPr kumimoji="1" lang="zh-CN" altLang="en-US"/>
-          </a:p>
-        </p:txBody>
-      </p:sp>
+        <p:spPr>
+          <a:xfrm>
+            <a:off x="457200" y="1600201"/>
+            <a:ext cx="3727342" cy="3901698"/>
+          </a:xfrm>
+        </p:spPr>
+        <p:txBody>
+          <a:bodyPr/>
+          <a:lstStyle/>
+          <a:p>
+            <a:r>
+              <a:rPr kumimoji="1" lang="zh-CN" altLang="en-US" dirty="0" smtClean="0"/>
+              <a:t>完善上周测试需求评审</a:t>
+            </a:r>
+            <a:endParaRPr kumimoji="1" lang="en-US" altLang="zh-CN" dirty="0" smtClean="0"/>
+          </a:p>
+          <a:p>
+            <a:r>
+              <a:rPr kumimoji="1" lang="zh-CN" altLang="en-US" dirty="0" smtClean="0"/>
+              <a:t>添加新的扩展功能计划</a:t>
+            </a:r>
+            <a:endParaRPr kumimoji="1" lang="en-US" altLang="zh-CN" dirty="0" smtClean="0"/>
+          </a:p>
+          <a:p>
+            <a:r>
+              <a:rPr kumimoji="1" lang="zh-CN" altLang="en-US" dirty="0" smtClean="0"/>
+              <a:t>综合实验分析分工</a:t>
+            </a:r>
+            <a:endParaRPr kumimoji="1" lang="en-US" altLang="zh-CN" dirty="0" smtClean="0"/>
+          </a:p>
+          <a:p>
+            <a:endParaRPr kumimoji="1" lang="zh-CN" altLang="en-US" dirty="0"/>
+          </a:p>
+        </p:txBody>
+      </p:sp>
+      <p:pic>
+        <p:nvPicPr>
+          <p:cNvPr id="1026" name="Picture 2"/>
+          <p:cNvPicPr>
+            <a:picLocks noChangeAspect="1" noChangeArrowheads="1"/>
+          </p:cNvPicPr>
+          <p:nvPr/>
+        </p:nvPicPr>
+        <p:blipFill>
+          <a:blip r:embed="rId2">
+            <a:extLst>
+              <a:ext uri="{28A0092B-C50C-407E-A947-70E740481C1C}">
+                <a14:useLocalDpi xmlns:a14="http://schemas.microsoft.com/office/drawing/2010/main" val="0"/>
+              </a:ext>
+            </a:extLst>
+          </a:blip>
+          <a:srcRect/>
+          <a:stretch>
+            <a:fillRect/>
+          </a:stretch>
+        </p:blipFill>
+        <p:spPr bwMode="auto">
+          <a:xfrm>
+            <a:off x="4308528" y="1417638"/>
+            <a:ext cx="4579285" cy="4254769"/>
+          </a:xfrm>
+          <a:prstGeom prst="rect">
+            <a:avLst/>
+          </a:prstGeom>
+          <a:noFill/>
+          <a:ln>
+            <a:noFill/>
+          </a:ln>
+          <a:effectLst/>
+          <a:extLst>
+            <a:ext uri="{909E8E84-426E-40DD-AFC4-6F175D3DCCD1}">
+              <a14:hiddenFill xmlns:a14="http://schemas.microsoft.com/office/drawing/2010/main">
+                <a:solidFill>
+                  <a:schemeClr val="accent1"/>
+                </a:solidFill>
+              </a14:hiddenFill>
+            </a:ext>
+            <a:ext uri="{91240B29-F687-4F45-9708-019B960494DF}">
+              <a14:hiddenLine xmlns:a14="http://schemas.microsoft.com/office/drawing/2010/main" w="9525">
+                <a:solidFill>
+                  <a:schemeClr val="tx1"/>
+                </a:solidFill>
+                <a:miter lim="800000"/>
+                <a:headEnd/>
+                <a:tailEnd/>
+              </a14:hiddenLine>
+            </a:ext>
+            <a:ext uri="{AF507438-7753-43E0-B8FC-AC1667EBCBE1}">
+              <a14:hiddenEffects xmlns:a14="http://schemas.microsoft.com/office/drawing/2010/main">
+                <a:effectLst>
+                  <a:outerShdw dist="35921" dir="2700000" algn="ctr" rotWithShape="0">
+                    <a:schemeClr val="bg2"/>
+                  </a:outerShdw>
+                </a:effectLst>
+              </a14:hiddenEffects>
+            </a:ext>
+          </a:extLst>
+        </p:spPr>
+      </p:pic>
+      <p:pic>
+        <p:nvPicPr>
+          <p:cNvPr id="1027" name="Picture 3"/>
+          <p:cNvPicPr>
+            <a:picLocks noChangeAspect="1" noChangeArrowheads="1"/>
+          </p:cNvPicPr>
+          <p:nvPr/>
+        </p:nvPicPr>
+        <p:blipFill rotWithShape="1">
+          <a:blip r:embed="rId3">
+            <a:extLst>
+              <a:ext uri="{28A0092B-C50C-407E-A947-70E740481C1C}">
+                <a14:useLocalDpi xmlns:a14="http://schemas.microsoft.com/office/drawing/2010/main" val="0"/>
+              </a:ext>
+            </a:extLst>
+          </a:blip>
+          <a:srcRect r="18148"/>
+          <a:stretch/>
+        </p:blipFill>
+        <p:spPr bwMode="auto">
+          <a:xfrm>
+            <a:off x="4045969" y="5926058"/>
+            <a:ext cx="4841844" cy="727554"/>
+          </a:xfrm>
+          <a:prstGeom prst="rect">
+            <a:avLst/>
+          </a:prstGeom>
+          <a:noFill/>
+          <a:ln>
+            <a:noFill/>
+          </a:ln>
+          <a:effectLst/>
+          <a:extLst>
+            <a:ext uri="{909E8E84-426E-40DD-AFC4-6F175D3DCCD1}">
+              <a14:hiddenFill xmlns:a14="http://schemas.microsoft.com/office/drawing/2010/main">
+                <a:solidFill>
+                  <a:schemeClr val="accent1"/>
+                </a:solidFill>
+              </a14:hiddenFill>
+            </a:ext>
+            <a:ext uri="{91240B29-F687-4F45-9708-019B960494DF}">
+              <a14:hiddenLine xmlns:a14="http://schemas.microsoft.com/office/drawing/2010/main" w="9525">
+                <a:solidFill>
+                  <a:schemeClr val="tx1"/>
+                </a:solidFill>
+                <a:miter lim="800000"/>
+                <a:headEnd/>
+                <a:tailEnd/>
+              </a14:hiddenLine>
+            </a:ext>
+            <a:ext uri="{AF507438-7753-43E0-B8FC-AC1667EBCBE1}">
+              <a14:hiddenEffects xmlns:a14="http://schemas.microsoft.com/office/drawing/2010/main">
+                <a:effectLst>
+                  <a:outerShdw dist="35921" dir="2700000" algn="ctr" rotWithShape="0">
+                    <a:schemeClr val="bg2"/>
+                  </a:outerShdw>
+                </a:effectLst>
+              </a14:hiddenEffects>
+            </a:ext>
+          </a:extLst>
+        </p:spPr>
+      </p:pic>
+      <p:pic>
+        <p:nvPicPr>
+          <p:cNvPr id="1028" name="Picture 4"/>
+          <p:cNvPicPr>
+            <a:picLocks noChangeAspect="1" noChangeArrowheads="1"/>
+          </p:cNvPicPr>
+          <p:nvPr/>
+        </p:nvPicPr>
+        <p:blipFill rotWithShape="1">
+          <a:blip r:embed="rId4">
+            <a:extLst>
+              <a:ext uri="{28A0092B-C50C-407E-A947-70E740481C1C}">
+                <a14:useLocalDpi xmlns:a14="http://schemas.microsoft.com/office/drawing/2010/main" val="0"/>
+              </a:ext>
+            </a:extLst>
+          </a:blip>
+          <a:srcRect r="27911"/>
+          <a:stretch/>
+        </p:blipFill>
+        <p:spPr bwMode="auto">
+          <a:xfrm>
+            <a:off x="309967" y="5820151"/>
+            <a:ext cx="3549112" cy="872639"/>
+          </a:xfrm>
+          <a:prstGeom prst="rect">
+            <a:avLst/>
+          </a:prstGeom>
+          <a:noFill/>
+          <a:ln>
+            <a:noFill/>
+          </a:ln>
+          <a:effectLst/>
+          <a:extLst>
+            <a:ext uri="{909E8E84-426E-40DD-AFC4-6F175D3DCCD1}">
+              <a14:hiddenFill xmlns:a14="http://schemas.microsoft.com/office/drawing/2010/main">
+                <a:solidFill>
+                  <a:schemeClr val="accent1"/>
+                </a:solidFill>
+              </a14:hiddenFill>
+            </a:ext>
+            <a:ext uri="{91240B29-F687-4F45-9708-019B960494DF}">
+              <a14:hiddenLine xmlns:a14="http://schemas.microsoft.com/office/drawing/2010/main" w="9525">
+                <a:solidFill>
+                  <a:schemeClr val="tx1"/>
+                </a:solidFill>
+                <a:miter lim="800000"/>
+                <a:headEnd/>
+                <a:tailEnd/>
+              </a14:hiddenLine>
+            </a:ext>
+            <a:ext uri="{AF507438-7753-43E0-B8FC-AC1667EBCBE1}">
+              <a14:hiddenEffects xmlns:a14="http://schemas.microsoft.com/office/drawing/2010/main">
+                <a:effectLst>
+                  <a:outerShdw dist="35921" dir="2700000" algn="ctr" rotWithShape="0">
+                    <a:schemeClr val="bg2"/>
+                  </a:outerShdw>
+                </a:effectLst>
+              </a14:hiddenEffects>
+            </a:ext>
+          </a:extLst>
+        </p:spPr>
+      </p:pic>
     </p:spTree>
     <p:extLst>
       <p:ext uri="{BB962C8B-B14F-4D97-AF65-F5344CB8AC3E}">
@@ -7668,13 +7876,8 @@
             </a:r>
             <a:r>
               <a:rPr kumimoji="1" lang="zh-CN" altLang="en-US" dirty="0" smtClean="0"/>
-              <a:t>系统状态的监控和控制</a:t>
-            </a:r>
-            <a:r>
-              <a:rPr kumimoji="1" lang="zh-CN" altLang="en-US" dirty="0" smtClean="0"/>
-              <a:t>，实现后台逻辑</a:t>
-            </a:r>
-            <a:endParaRPr kumimoji="1" lang="zh-CN" altLang="en-US" dirty="0" smtClean="0"/>
+              <a:t>系统状态的监控和控制，实现后台逻辑</a:t>
+            </a:r>
           </a:p>
           <a:p>
             <a:pPr>
@@ -7700,11 +7903,7 @@
             </a:r>
             <a:r>
               <a:rPr kumimoji="1" lang="zh-CN" altLang="en-US" dirty="0" smtClean="0"/>
-              <a:t>小时</a:t>
-            </a:r>
-            <a:r>
-              <a:rPr kumimoji="1" lang="zh-CN" altLang="en-US" dirty="0" smtClean="0"/>
-              <a:t>测试</a:t>
+              <a:t>小时测试</a:t>
             </a:r>
             <a:endParaRPr kumimoji="1" lang="zh-CN" altLang="en-US" dirty="0"/>
           </a:p>
@@ -8187,7 +8386,7 @@
   <a:extraClrSchemeLst/>
   <a:extLst>
     <a:ext uri="{05A4C25C-085E-4340-85A3-A5531E510DB2}">
-      <thm15:themeFamily xmlns:thm15="http://schemas.microsoft.com/office/thememl/2012/main" name="Office Theme" id="{62F939B6-93AF-4DB8-9C6B-D6C7DFDC589F}" vid="{4A3C46E8-61CC-4603-A589-7422A47A8E4A}"/>
+      <thm15:themeFamily xmlns:thm15="http://schemas.microsoft.com/office/thememl/2012/main" xmlns="" name="Office Theme" id="{62F939B6-93AF-4DB8-9C6B-D6C7DFDC589F}" vid="{4A3C46E8-61CC-4603-A589-7422A47A8E4A}"/>
     </a:ext>
   </a:extLst>
 </a:theme>
@@ -8519,7 +8718,7 @@
     </a:clrScheme>
     <a:fontScheme name="Office">
       <a:majorFont>
-        <a:latin typeface="Calibri Light" panose="020F0302020204030204"/>
+        <a:latin typeface="Calibri Light"/>
         <a:ea typeface=""/>
         <a:cs typeface=""/>
         <a:font script="Jpan" typeface="ＭＳ Ｐゴシック"/>
@@ -8554,7 +8753,7 @@
         <a:font script="Geor" typeface="Sylfaen"/>
       </a:majorFont>
       <a:minorFont>
-        <a:latin typeface="Calibri" panose="020F0502020204030204"/>
+        <a:latin typeface="Calibri"/>
         <a:ea typeface=""/>
         <a:cs typeface=""/>
         <a:font script="Jpan" typeface="ＭＳ Ｐゴシック"/>
@@ -8731,7 +8930,7 @@
   <a:extraClrSchemeLst/>
   <a:extLst>
     <a:ext uri="{05A4C25C-085E-4340-85A3-A5531E510DB2}">
-      <thm15:themeFamily xmlns:thm15="http://schemas.microsoft.com/office/thememl/2012/main" name="Office Theme" id="{62F939B6-93AF-4DB8-9C6B-D6C7DFDC589F}" vid="{4A3C46E8-61CC-4603-A589-7422A47A8E4A}"/>
+      <thm15:themeFamily xmlns:thm15="http://schemas.microsoft.com/office/thememl/2012/main" xmlns="" name="Office Theme" id="{62F939B6-93AF-4DB8-9C6B-D6C7DFDC589F}" vid="{4A3C46E8-61CC-4603-A589-7422A47A8E4A}"/>
     </a:ext>
   </a:extLst>
 </a:theme>

--- a/2.项目PPT/第十四周进度.pptx
+++ b/2.项目PPT/第十四周进度.pptx
@@ -114,7 +114,7 @@
   </p:defaultTextStyle>
   <p:extLst>
     <p:ext uri="{EFAFB233-063F-42B5-8137-9DF3F51BA10A}">
-      <p15:sldGuideLst xmlns:p15="http://schemas.microsoft.com/office/powerpoint/2012/main" xmlns="">
+      <p15:sldGuideLst xmlns:p15="http://schemas.microsoft.com/office/powerpoint/2012/main">
         <p15:guide id="1" orient="horz" pos="2160">
           <p15:clr>
             <a:srgbClr val="A4A3A4"/>
@@ -213,7 +213,7 @@
           <a:p>
             <a:fld id="{4C17CBC2-40E5-434D-858D-CE717F960CDA}" type="datetimeFigureOut">
               <a:rPr kumimoji="1" lang="zh-CN" altLang="en-US" smtClean="0"/>
-              <a:t>2016/6/3</a:t>
+              <a:t>16/6/3</a:t>
             </a:fld>
             <a:endParaRPr kumimoji="1" lang="zh-CN" altLang="en-US"/>
           </a:p>
@@ -696,7 +696,7 @@
           <a:p>
             <a:fld id="{28428746-E1BB-BE45-ABA8-858F6D9BFAFB}" type="datetimeFigureOut">
               <a:rPr kumimoji="1" lang="zh-CN" altLang="en-US" smtClean="0"/>
-              <a:t>2016/6/3</a:t>
+              <a:t>16/6/3</a:t>
             </a:fld>
             <a:endParaRPr kumimoji="1" lang="zh-CN" altLang="en-US"/>
           </a:p>
@@ -866,7 +866,7 @@
           <a:p>
             <a:fld id="{28428746-E1BB-BE45-ABA8-858F6D9BFAFB}" type="datetimeFigureOut">
               <a:rPr kumimoji="1" lang="zh-CN" altLang="en-US" smtClean="0"/>
-              <a:t>2016/6/3</a:t>
+              <a:t>16/6/3</a:t>
             </a:fld>
             <a:endParaRPr kumimoji="1" lang="zh-CN" altLang="en-US"/>
           </a:p>
@@ -1046,7 +1046,7 @@
           <a:p>
             <a:fld id="{28428746-E1BB-BE45-ABA8-858F6D9BFAFB}" type="datetimeFigureOut">
               <a:rPr kumimoji="1" lang="zh-CN" altLang="en-US" smtClean="0"/>
-              <a:t>2016/6/3</a:t>
+              <a:t>16/6/3</a:t>
             </a:fld>
             <a:endParaRPr kumimoji="1" lang="zh-CN" altLang="en-US"/>
           </a:p>
@@ -1295,7 +1295,7 @@
                 </a:solidFill>
               </a:rPr>
               <a:pPr/>
-              <a:t>2016/6/3</a:t>
+              <a:t>16/6/3</a:t>
             </a:fld>
             <a:endParaRPr lang="zh-CN" altLang="en-US">
               <a:solidFill>
@@ -1500,7 +1500,7 @@
                 </a:solidFill>
               </a:rPr>
               <a:pPr/>
-              <a:t>2016/6/3</a:t>
+              <a:t>16/6/3</a:t>
             </a:fld>
             <a:endParaRPr lang="zh-CN" altLang="en-US">
               <a:solidFill>
@@ -1781,7 +1781,7 @@
                 </a:solidFill>
               </a:rPr>
               <a:pPr/>
-              <a:t>2016/6/3</a:t>
+              <a:t>16/6/3</a:t>
             </a:fld>
             <a:endParaRPr lang="zh-CN" altLang="en-US">
               <a:solidFill>
@@ -2104,7 +2104,7 @@
                 </a:solidFill>
               </a:rPr>
               <a:pPr/>
-              <a:t>2016/6/3</a:t>
+              <a:t>16/6/3</a:t>
             </a:fld>
             <a:endParaRPr lang="zh-CN" altLang="en-US">
               <a:solidFill>
@@ -2561,7 +2561,7 @@
                 </a:solidFill>
               </a:rPr>
               <a:pPr/>
-              <a:t>2016/6/3</a:t>
+              <a:t>16/6/3</a:t>
             </a:fld>
             <a:endParaRPr lang="zh-CN" altLang="en-US">
               <a:solidFill>
@@ -2714,7 +2714,7 @@
                 </a:solidFill>
               </a:rPr>
               <a:pPr/>
-              <a:t>2016/6/3</a:t>
+              <a:t>16/6/3</a:t>
             </a:fld>
             <a:endParaRPr lang="zh-CN" altLang="en-US">
               <a:solidFill>
@@ -2844,7 +2844,7 @@
                 </a:solidFill>
               </a:rPr>
               <a:pPr/>
-              <a:t>2016/6/3</a:t>
+              <a:t>16/6/3</a:t>
             </a:fld>
             <a:endParaRPr lang="zh-CN" altLang="en-US">
               <a:solidFill>
@@ -3156,7 +3156,7 @@
                 </a:solidFill>
               </a:rPr>
               <a:pPr/>
-              <a:t>2016/6/3</a:t>
+              <a:t>16/6/3</a:t>
             </a:fld>
             <a:endParaRPr lang="zh-CN" altLang="en-US">
               <a:solidFill>
@@ -3354,7 +3354,7 @@
           <a:p>
             <a:fld id="{28428746-E1BB-BE45-ABA8-858F6D9BFAFB}" type="datetimeFigureOut">
               <a:rPr kumimoji="1" lang="zh-CN" altLang="en-US" smtClean="0"/>
-              <a:t>2016/6/3</a:t>
+              <a:t>16/6/3</a:t>
             </a:fld>
             <a:endParaRPr kumimoji="1" lang="zh-CN" altLang="en-US"/>
           </a:p>
@@ -3614,7 +3614,7 @@
                 </a:solidFill>
               </a:rPr>
               <a:pPr/>
-              <a:t>2016/6/3</a:t>
+              <a:t>16/6/3</a:t>
             </a:fld>
             <a:endParaRPr lang="zh-CN" altLang="en-US">
               <a:solidFill>
@@ -3819,7 +3819,7 @@
                 </a:solidFill>
               </a:rPr>
               <a:pPr/>
-              <a:t>2016/6/3</a:t>
+              <a:t>16/6/3</a:t>
             </a:fld>
             <a:endParaRPr lang="zh-CN" altLang="en-US">
               <a:solidFill>
@@ -4034,7 +4034,7 @@
                 </a:solidFill>
               </a:rPr>
               <a:pPr/>
-              <a:t>2016/6/3</a:t>
+              <a:t>16/6/3</a:t>
             </a:fld>
             <a:endParaRPr lang="zh-CN" altLang="en-US">
               <a:solidFill>
@@ -4306,7 +4306,7 @@
           <a:p>
             <a:fld id="{28428746-E1BB-BE45-ABA8-858F6D9BFAFB}" type="datetimeFigureOut">
               <a:rPr kumimoji="1" lang="zh-CN" altLang="en-US" smtClean="0"/>
-              <a:t>2016/6/3</a:t>
+              <a:t>16/6/3</a:t>
             </a:fld>
             <a:endParaRPr kumimoji="1" lang="zh-CN" altLang="en-US"/>
           </a:p>
@@ -4538,7 +4538,7 @@
           <a:p>
             <a:fld id="{28428746-E1BB-BE45-ABA8-858F6D9BFAFB}" type="datetimeFigureOut">
               <a:rPr kumimoji="1" lang="zh-CN" altLang="en-US" smtClean="0"/>
-              <a:t>2016/6/3</a:t>
+              <a:t>16/6/3</a:t>
             </a:fld>
             <a:endParaRPr kumimoji="1" lang="zh-CN" altLang="en-US"/>
           </a:p>
@@ -4905,7 +4905,7 @@
           <a:p>
             <a:fld id="{28428746-E1BB-BE45-ABA8-858F6D9BFAFB}" type="datetimeFigureOut">
               <a:rPr kumimoji="1" lang="zh-CN" altLang="en-US" smtClean="0"/>
-              <a:t>2016/6/3</a:t>
+              <a:t>16/6/3</a:t>
             </a:fld>
             <a:endParaRPr kumimoji="1" lang="zh-CN" altLang="en-US"/>
           </a:p>
@@ -5023,7 +5023,7 @@
           <a:p>
             <a:fld id="{28428746-E1BB-BE45-ABA8-858F6D9BFAFB}" type="datetimeFigureOut">
               <a:rPr kumimoji="1" lang="zh-CN" altLang="en-US" smtClean="0"/>
-              <a:t>2016/6/3</a:t>
+              <a:t>16/6/3</a:t>
             </a:fld>
             <a:endParaRPr kumimoji="1" lang="zh-CN" altLang="en-US"/>
           </a:p>
@@ -5118,7 +5118,7 @@
           <a:p>
             <a:fld id="{28428746-E1BB-BE45-ABA8-858F6D9BFAFB}" type="datetimeFigureOut">
               <a:rPr kumimoji="1" lang="zh-CN" altLang="en-US" smtClean="0"/>
-              <a:t>2016/6/3</a:t>
+              <a:t>16/6/3</a:t>
             </a:fld>
             <a:endParaRPr kumimoji="1" lang="zh-CN" altLang="en-US"/>
           </a:p>
@@ -5395,7 +5395,7 @@
           <a:p>
             <a:fld id="{28428746-E1BB-BE45-ABA8-858F6D9BFAFB}" type="datetimeFigureOut">
               <a:rPr kumimoji="1" lang="zh-CN" altLang="en-US" smtClean="0"/>
-              <a:t>2016/6/3</a:t>
+              <a:t>16/6/3</a:t>
             </a:fld>
             <a:endParaRPr kumimoji="1" lang="zh-CN" altLang="en-US"/>
           </a:p>
@@ -5652,7 +5652,7 @@
           <a:p>
             <a:fld id="{28428746-E1BB-BE45-ABA8-858F6D9BFAFB}" type="datetimeFigureOut">
               <a:rPr kumimoji="1" lang="zh-CN" altLang="en-US" smtClean="0"/>
-              <a:t>2016/6/3</a:t>
+              <a:t>16/6/3</a:t>
             </a:fld>
             <a:endParaRPr kumimoji="1" lang="zh-CN" altLang="en-US"/>
           </a:p>
@@ -5865,7 +5865,7 @@
           <a:p>
             <a:fld id="{28428746-E1BB-BE45-ABA8-858F6D9BFAFB}" type="datetimeFigureOut">
               <a:rPr kumimoji="1" lang="zh-CN" altLang="en-US" smtClean="0"/>
-              <a:t>2016/6/3</a:t>
+              <a:t>16/6/3</a:t>
             </a:fld>
             <a:endParaRPr kumimoji="1" lang="zh-CN" altLang="en-US"/>
           </a:p>
@@ -6412,7 +6412,7 @@
                 </a:solidFill>
               </a:rPr>
               <a:pPr/>
-              <a:t>2016/6/3</a:t>
+              <a:t>16/6/3</a:t>
             </a:fld>
             <a:endParaRPr lang="zh-CN" altLang="en-US">
               <a:solidFill>
@@ -7803,6 +7803,13 @@
   <p:transition spd="slow">
     <p:push dir="u"/>
   </p:transition>
+  <p:timing>
+    <p:tnLst>
+      <p:par>
+        <p:cTn id="1" dur="indefinite" restart="never" nodeType="tmRoot"/>
+      </p:par>
+    </p:tnLst>
+  </p:timing>
 </p:sld>
 </file>
 
@@ -8111,7 +8118,70 @@
           <a:bodyPr/>
           <a:lstStyle/>
           <a:p>
-            <a:endParaRPr kumimoji="1" lang="zh-CN" altLang="en-US"/>
+            <a:pPr>
+              <a:lnSpc>
+                <a:spcPct val="150000"/>
+              </a:lnSpc>
+            </a:pPr>
+            <a:r>
+              <a:rPr kumimoji="1" lang="zh-CN" altLang="en-US" dirty="0" smtClean="0"/>
+              <a:t>见</a:t>
+            </a:r>
+            <a:r>
+              <a:rPr kumimoji="1" lang="en-US" altLang="zh-CN" dirty="0" smtClean="0"/>
+              <a:t>《</a:t>
+            </a:r>
+            <a:r>
+              <a:rPr kumimoji="1" lang="zh-CN" altLang="en-US" dirty="0" smtClean="0"/>
+              <a:t>数据分析报告</a:t>
+            </a:r>
+            <a:r>
+              <a:rPr kumimoji="1" lang="en-US" altLang="zh-CN" dirty="0" smtClean="0"/>
+              <a:t>》</a:t>
+            </a:r>
+            <a:endParaRPr kumimoji="1" lang="zh-CN" altLang="en-US" dirty="0" smtClean="0"/>
+          </a:p>
+          <a:p>
+            <a:pPr>
+              <a:lnSpc>
+                <a:spcPct val="150000"/>
+              </a:lnSpc>
+            </a:pPr>
+            <a:r>
+              <a:rPr kumimoji="1" lang="zh-CN" altLang="en-US" dirty="0" smtClean="0"/>
+              <a:t>还可做：</a:t>
+            </a:r>
+          </a:p>
+          <a:p>
+            <a:pPr lvl="1">
+              <a:lnSpc>
+                <a:spcPct val="150000"/>
+              </a:lnSpc>
+            </a:pPr>
+            <a:r>
+              <a:rPr kumimoji="1" lang="zh-CN" altLang="en-US" dirty="0" smtClean="0"/>
+              <a:t>需求</a:t>
+            </a:r>
+            <a:r>
+              <a:rPr kumimoji="1" lang="en-US" altLang="zh-CN" dirty="0" smtClean="0"/>
+              <a:t>-&gt;</a:t>
+            </a:r>
+            <a:r>
+              <a:rPr kumimoji="1" lang="zh-CN" altLang="en-US" dirty="0" smtClean="0"/>
+              <a:t>测试追踪表格</a:t>
+            </a:r>
+          </a:p>
+          <a:p>
+            <a:pPr lvl="1">
+              <a:lnSpc>
+                <a:spcPct val="150000"/>
+              </a:lnSpc>
+            </a:pPr>
+            <a:r>
+              <a:rPr kumimoji="1" lang="zh-CN" altLang="en-US" dirty="0" smtClean="0"/>
+              <a:t>参考学习其他组的数据分析</a:t>
+            </a:r>
+            <a:endParaRPr kumimoji="1" lang="zh-CN" altLang="en-US" dirty="0"/>
           </a:p>
         </p:txBody>
       </p:sp>
@@ -8128,6 +8198,232 @@
   <p:transition spd="slow">
     <p:push dir="u"/>
   </p:transition>
+  <p:timing>
+    <p:tnLst>
+      <p:par>
+        <p:cTn id="1" dur="indefinite" restart="never" nodeType="tmRoot">
+          <p:childTnLst>
+            <p:seq concurrent="1" nextAc="seek">
+              <p:cTn id="2" dur="indefinite" nodeType="mainSeq">
+                <p:childTnLst>
+                  <p:par>
+                    <p:cTn id="3" fill="hold">
+                      <p:stCondLst>
+                        <p:cond delay="indefinite"/>
+                      </p:stCondLst>
+                      <p:childTnLst>
+                        <p:par>
+                          <p:cTn id="4" fill="hold">
+                            <p:stCondLst>
+                              <p:cond delay="0"/>
+                            </p:stCondLst>
+                            <p:childTnLst>
+                              <p:par>
+                                <p:cTn id="5" presetID="1" presetClass="entr" presetSubtype="0" fill="hold" nodeType="clickEffect">
+                                  <p:stCondLst>
+                                    <p:cond delay="0"/>
+                                  </p:stCondLst>
+                                  <p:childTnLst>
+                                    <p:set>
+                                      <p:cBhvr>
+                                        <p:cTn id="6" dur="1" fill="hold">
+                                          <p:stCondLst>
+                                            <p:cond delay="0"/>
+                                          </p:stCondLst>
+                                        </p:cTn>
+                                        <p:tgtEl>
+                                          <p:spTgt spid="3">
+                                            <p:txEl>
+                                              <p:pRg st="0" end="0"/>
+                                            </p:txEl>
+                                          </p:spTgt>
+                                        </p:tgtEl>
+                                        <p:attrNameLst>
+                                          <p:attrName>style.visibility</p:attrName>
+                                        </p:attrNameLst>
+                                      </p:cBhvr>
+                                      <p:to>
+                                        <p:strVal val="visible"/>
+                                      </p:to>
+                                    </p:set>
+                                  </p:childTnLst>
+                                </p:cTn>
+                              </p:par>
+                            </p:childTnLst>
+                          </p:cTn>
+                        </p:par>
+                      </p:childTnLst>
+                    </p:cTn>
+                  </p:par>
+                  <p:par>
+                    <p:cTn id="7" fill="hold">
+                      <p:stCondLst>
+                        <p:cond delay="indefinite"/>
+                      </p:stCondLst>
+                      <p:childTnLst>
+                        <p:par>
+                          <p:cTn id="8" fill="hold">
+                            <p:stCondLst>
+                              <p:cond delay="0"/>
+                            </p:stCondLst>
+                            <p:childTnLst>
+                              <p:par>
+                                <p:cTn id="9" presetID="1" presetClass="entr" presetSubtype="0" fill="hold" nodeType="clickEffect">
+                                  <p:stCondLst>
+                                    <p:cond delay="0"/>
+                                  </p:stCondLst>
+                                  <p:childTnLst>
+                                    <p:set>
+                                      <p:cBhvr>
+                                        <p:cTn id="10" dur="1" fill="hold">
+                                          <p:stCondLst>
+                                            <p:cond delay="0"/>
+                                          </p:stCondLst>
+                                        </p:cTn>
+                                        <p:tgtEl>
+                                          <p:spTgt spid="3">
+                                            <p:txEl>
+                                              <p:pRg st="1" end="1"/>
+                                            </p:txEl>
+                                          </p:spTgt>
+                                        </p:tgtEl>
+                                        <p:attrNameLst>
+                                          <p:attrName>style.visibility</p:attrName>
+                                        </p:attrNameLst>
+                                      </p:cBhvr>
+                                      <p:to>
+                                        <p:strVal val="visible"/>
+                                      </p:to>
+                                    </p:set>
+                                  </p:childTnLst>
+                                </p:cTn>
+                              </p:par>
+                            </p:childTnLst>
+                          </p:cTn>
+                        </p:par>
+                      </p:childTnLst>
+                    </p:cTn>
+                  </p:par>
+                  <p:par>
+                    <p:cTn id="11" fill="hold">
+                      <p:stCondLst>
+                        <p:cond delay="indefinite"/>
+                      </p:stCondLst>
+                      <p:childTnLst>
+                        <p:par>
+                          <p:cTn id="12" fill="hold">
+                            <p:stCondLst>
+                              <p:cond delay="0"/>
+                            </p:stCondLst>
+                            <p:childTnLst>
+                              <p:par>
+                                <p:cTn id="13" presetID="1" presetClass="entr" presetSubtype="0" fill="hold" nodeType="clickEffect">
+                                  <p:stCondLst>
+                                    <p:cond delay="0"/>
+                                  </p:stCondLst>
+                                  <p:childTnLst>
+                                    <p:set>
+                                      <p:cBhvr>
+                                        <p:cTn id="14" dur="1" fill="hold">
+                                          <p:stCondLst>
+                                            <p:cond delay="0"/>
+                                          </p:stCondLst>
+                                        </p:cTn>
+                                        <p:tgtEl>
+                                          <p:spTgt spid="3">
+                                            <p:txEl>
+                                              <p:pRg st="2" end="2"/>
+                                            </p:txEl>
+                                          </p:spTgt>
+                                        </p:tgtEl>
+                                        <p:attrNameLst>
+                                          <p:attrName>style.visibility</p:attrName>
+                                        </p:attrNameLst>
+                                      </p:cBhvr>
+                                      <p:to>
+                                        <p:strVal val="visible"/>
+                                      </p:to>
+                                    </p:set>
+                                  </p:childTnLst>
+                                </p:cTn>
+                              </p:par>
+                            </p:childTnLst>
+                          </p:cTn>
+                        </p:par>
+                      </p:childTnLst>
+                    </p:cTn>
+                  </p:par>
+                  <p:par>
+                    <p:cTn id="15" fill="hold">
+                      <p:stCondLst>
+                        <p:cond delay="indefinite"/>
+                      </p:stCondLst>
+                      <p:childTnLst>
+                        <p:par>
+                          <p:cTn id="16" fill="hold">
+                            <p:stCondLst>
+                              <p:cond delay="0"/>
+                            </p:stCondLst>
+                            <p:childTnLst>
+                              <p:par>
+                                <p:cTn id="17" presetID="1" presetClass="entr" presetSubtype="0" fill="hold" nodeType="clickEffect">
+                                  <p:stCondLst>
+                                    <p:cond delay="0"/>
+                                  </p:stCondLst>
+                                  <p:childTnLst>
+                                    <p:set>
+                                      <p:cBhvr>
+                                        <p:cTn id="18" dur="1" fill="hold">
+                                          <p:stCondLst>
+                                            <p:cond delay="0"/>
+                                          </p:stCondLst>
+                                        </p:cTn>
+                                        <p:tgtEl>
+                                          <p:spTgt spid="3">
+                                            <p:txEl>
+                                              <p:pRg st="3" end="3"/>
+                                            </p:txEl>
+                                          </p:spTgt>
+                                        </p:tgtEl>
+                                        <p:attrNameLst>
+                                          <p:attrName>style.visibility</p:attrName>
+                                        </p:attrNameLst>
+                                      </p:cBhvr>
+                                      <p:to>
+                                        <p:strVal val="visible"/>
+                                      </p:to>
+                                    </p:set>
+                                  </p:childTnLst>
+                                </p:cTn>
+                              </p:par>
+                            </p:childTnLst>
+                          </p:cTn>
+                        </p:par>
+                      </p:childTnLst>
+                    </p:cTn>
+                  </p:par>
+                </p:childTnLst>
+              </p:cTn>
+              <p:prevCondLst>
+                <p:cond evt="onPrev" delay="0">
+                  <p:tgtEl>
+                    <p:sldTgt/>
+                  </p:tgtEl>
+                </p:cond>
+              </p:prevCondLst>
+              <p:nextCondLst>
+                <p:cond evt="onNext" delay="0">
+                  <p:tgtEl>
+                    <p:sldTgt/>
+                  </p:tgtEl>
+                </p:cond>
+              </p:nextCondLst>
+            </p:seq>
+          </p:childTnLst>
+        </p:cTn>
+      </p:par>
+    </p:tnLst>
+  </p:timing>
 </p:sld>
 </file>
 
@@ -8386,7 +8682,7 @@
   <a:extraClrSchemeLst/>
   <a:extLst>
     <a:ext uri="{05A4C25C-085E-4340-85A3-A5531E510DB2}">
-      <thm15:themeFamily xmlns:thm15="http://schemas.microsoft.com/office/thememl/2012/main" xmlns="" name="Office Theme" id="{62F939B6-93AF-4DB8-9C6B-D6C7DFDC589F}" vid="{4A3C46E8-61CC-4603-A589-7422A47A8E4A}"/>
+      <thm15:themeFamily xmlns:thm15="http://schemas.microsoft.com/office/thememl/2012/main" name="Office Theme" id="{62F939B6-93AF-4DB8-9C6B-D6C7DFDC589F}" vid="{4A3C46E8-61CC-4603-A589-7422A47A8E4A}"/>
     </a:ext>
   </a:extLst>
 </a:theme>
@@ -8930,7 +9226,7 @@
   <a:extraClrSchemeLst/>
   <a:extLst>
     <a:ext uri="{05A4C25C-085E-4340-85A3-A5531E510DB2}">
-      <thm15:themeFamily xmlns:thm15="http://schemas.microsoft.com/office/thememl/2012/main" xmlns="" name="Office Theme" id="{62F939B6-93AF-4DB8-9C6B-D6C7DFDC589F}" vid="{4A3C46E8-61CC-4603-A589-7422A47A8E4A}"/>
+      <thm15:themeFamily xmlns:thm15="http://schemas.microsoft.com/office/thememl/2012/main" name="Office Theme" id="{62F939B6-93AF-4DB8-9C6B-D6C7DFDC589F}" vid="{4A3C46E8-61CC-4603-A589-7422A47A8E4A}"/>
     </a:ext>
   </a:extLst>
 </a:theme>
